--- a/Les outils de gestion des tests.pptx
+++ b/Les outils de gestion des tests.pptx
@@ -5,10 +5,10 @@
     <p:sldMasterId id="2147483717" r:id="rId4"/>
   </p:sldMasterIdLst>
   <p:notesMasterIdLst>
-    <p:notesMasterId r:id="rId14"/>
+    <p:notesMasterId r:id="rId17"/>
   </p:notesMasterIdLst>
   <p:handoutMasterIdLst>
-    <p:handoutMasterId r:id="rId15"/>
+    <p:handoutMasterId r:id="rId18"/>
   </p:handoutMasterIdLst>
   <p:sldIdLst>
     <p:sldId id="258" r:id="rId5"/>
@@ -17,9 +17,12 @@
     <p:sldId id="263" r:id="rId8"/>
     <p:sldId id="271" r:id="rId9"/>
     <p:sldId id="284" r:id="rId10"/>
-    <p:sldId id="291" r:id="rId11"/>
-    <p:sldId id="280" r:id="rId12"/>
-    <p:sldId id="290" r:id="rId13"/>
+    <p:sldId id="292" r:id="rId11"/>
+    <p:sldId id="291" r:id="rId12"/>
+    <p:sldId id="293" r:id="rId13"/>
+    <p:sldId id="294" r:id="rId14"/>
+    <p:sldId id="295" r:id="rId15"/>
+    <p:sldId id="290" r:id="rId16"/>
   </p:sldIdLst>
   <p:sldSz cx="12192000" cy="6858000"/>
   <p:notesSz cx="6858000" cy="9144000"/>
@@ -225,7 +228,7 @@
             <a:pPr rtl="0"/>
             <a:fld id="{19271981-356B-40D6-839A-88F73C3694D5}" type="datetime1">
               <a:rPr lang="fr-FR" smtClean="0"/>
-              <a:t>23/05/2022</a:t>
+              <a:t>24/05/2022</a:t>
             </a:fld>
             <a:endParaRPr lang="fr-FR" dirty="0"/>
           </a:p>
@@ -407,7 +410,7 @@
             <a:pPr rtl="0"/>
             <a:fld id="{AA80CC52-1D61-4C2C-A0FC-8BC9C4116966}" type="datetime1">
               <a:rPr lang="fr-FR" noProof="0" smtClean="0"/>
-              <a:t>23/05/2022</a:t>
+              <a:t>24/05/2022</a:t>
             </a:fld>
             <a:endParaRPr lang="fr-FR" noProof="0" dirty="0"/>
           </a:p>
@@ -1250,7 +1253,7 @@
             <a:spLocks noGrp="1"/>
           </p:cNvSpPr>
           <p:nvPr>
-            <p:ph type="sldNum" sz="quarter" idx="5"/>
+            <p:ph type="sldNum" sz="quarter" idx="10"/>
           </p:nvPr>
         </p:nvSpPr>
         <p:spPr/>
@@ -1261,93 +1264,7 @@
             <a:pPr rtl="0"/>
             <a:fld id="{284ECAD9-32EE-4091-BDA5-6BD15ACC5E58}" type="slidenum">
               <a:rPr lang="fr-FR" smtClean="0"/>
-              <a:t>8</a:t>
-            </a:fld>
-            <a:endParaRPr lang="fr-FR" dirty="0"/>
-          </a:p>
-        </p:txBody>
-      </p:sp>
-    </p:spTree>
-    <p:extLst>
-      <p:ext uri="{BB962C8B-B14F-4D97-AF65-F5344CB8AC3E}">
-        <p14:creationId xmlns:p14="http://schemas.microsoft.com/office/powerpoint/2010/main" val="1755222535"/>
-      </p:ext>
-    </p:extLst>
-  </p:cSld>
-  <p:clrMapOvr>
-    <a:masterClrMapping/>
-  </p:clrMapOvr>
-</p:notes>
-</file>
-
-<file path=ppt/notesSlides/notesSlide8.xml><?xml version="1.0" encoding="utf-8"?>
-<p:notes xmlns:a="http://schemas.openxmlformats.org/drawingml/2006/main" xmlns:r="http://schemas.openxmlformats.org/officeDocument/2006/relationships" xmlns:p="http://schemas.openxmlformats.org/presentationml/2006/main">
-  <p:cSld>
-    <p:spTree>
-      <p:nvGrpSpPr>
-        <p:cNvPr id="1" name=""/>
-        <p:cNvGrpSpPr/>
-        <p:nvPr/>
-      </p:nvGrpSpPr>
-      <p:grpSpPr>
-        <a:xfrm>
-          <a:off x="0" y="0"/>
-          <a:ext cx="0" cy="0"/>
-          <a:chOff x="0" y="0"/>
-          <a:chExt cx="0" cy="0"/>
-        </a:xfrm>
-      </p:grpSpPr>
-      <p:sp>
-        <p:nvSpPr>
-          <p:cNvPr id="2" name="Espace réservé de l’image des diapositives 1"/>
-          <p:cNvSpPr>
-            <a:spLocks noGrp="1" noRot="1" noChangeAspect="1"/>
-          </p:cNvSpPr>
-          <p:nvPr>
-            <p:ph type="sldImg"/>
-          </p:nvPr>
-        </p:nvSpPr>
-        <p:spPr/>
-      </p:sp>
-      <p:sp>
-        <p:nvSpPr>
-          <p:cNvPr id="3" name="Espace réservé des commentaires 2"/>
-          <p:cNvSpPr>
-            <a:spLocks noGrp="1"/>
-          </p:cNvSpPr>
-          <p:nvPr>
-            <p:ph type="body" idx="1"/>
-          </p:nvPr>
-        </p:nvSpPr>
-        <p:spPr/>
-        <p:txBody>
-          <a:bodyPr rtlCol="0"/>
-          <a:lstStyle/>
-          <a:p>
-            <a:pPr rtl="0"/>
-            <a:endParaRPr lang="fr-FR" dirty="0"/>
-          </a:p>
-        </p:txBody>
-      </p:sp>
-      <p:sp>
-        <p:nvSpPr>
-          <p:cNvPr id="4" name="Espace réservé du numéro de diapositive 3"/>
-          <p:cNvSpPr>
-            <a:spLocks noGrp="1"/>
-          </p:cNvSpPr>
-          <p:nvPr>
-            <p:ph type="sldNum" sz="quarter" idx="10"/>
-          </p:nvPr>
-        </p:nvSpPr>
-        <p:spPr/>
-        <p:txBody>
-          <a:bodyPr rtlCol="0"/>
-          <a:lstStyle/>
-          <a:p>
-            <a:pPr rtl="0"/>
-            <a:fld id="{284ECAD9-32EE-4091-BDA5-6BD15ACC5E58}" type="slidenum">
-              <a:rPr lang="fr-FR" smtClean="0"/>
-              <a:t>9</a:t>
+              <a:t>12</a:t>
             </a:fld>
             <a:endParaRPr lang="fr-FR" dirty="0"/>
           </a:p>
@@ -1442,7 +1359,7 @@
             <a:pPr rtl="0"/>
             <a:fld id="{C0EFF3BC-AFCF-47C4-88AF-1CF76B6F1C34}" type="datetime1">
               <a:rPr lang="fr-FR" noProof="0" smtClean="0"/>
-              <a:t>23/05/2022</a:t>
+              <a:t>24/05/2022</a:t>
             </a:fld>
             <a:endParaRPr lang="fr-FR" noProof="0" dirty="0"/>
           </a:p>
@@ -2070,7 +1987,7 @@
             <a:pPr rtl="0"/>
             <a:fld id="{A3C6EDAD-03EB-4F25-A790-FA572A614562}" type="datetime1">
               <a:rPr lang="fr-FR" noProof="0" smtClean="0"/>
-              <a:t>23/05/2022</a:t>
+              <a:t>24/05/2022</a:t>
             </a:fld>
             <a:endParaRPr lang="fr-FR" noProof="0" dirty="0"/>
           </a:p>
@@ -2427,7 +2344,7 @@
             <a:pPr rtl="0"/>
             <a:fld id="{C0C41A77-5745-455C-9289-A199F6DFED01}" type="datetime1">
               <a:rPr lang="fr-FR" noProof="0" smtClean="0"/>
-              <a:t>23/05/2022</a:t>
+              <a:t>24/05/2022</a:t>
             </a:fld>
             <a:endParaRPr lang="fr-FR" noProof="0" dirty="0"/>
           </a:p>
@@ -2826,7 +2743,7 @@
             <a:pPr rtl="0"/>
             <a:fld id="{1B4E8592-1A43-47C6-86D8-3B2CCA54BCE8}" type="datetime1">
               <a:rPr lang="fr-FR" noProof="0" smtClean="0"/>
-              <a:t>23/05/2022</a:t>
+              <a:t>24/05/2022</a:t>
             </a:fld>
             <a:endParaRPr lang="fr-FR" noProof="0" dirty="0"/>
           </a:p>
@@ -3309,7 +3226,7 @@
             <a:pPr rtl="0"/>
             <a:fld id="{C1CF5C74-3E6A-4A3F-A2E4-3AD32197C9A8}" type="datetime1">
               <a:rPr lang="fr-FR" noProof="0" smtClean="0"/>
-              <a:t>23/05/2022</a:t>
+              <a:t>24/05/2022</a:t>
             </a:fld>
             <a:endParaRPr lang="fr-FR" noProof="0" dirty="0"/>
           </a:p>
@@ -3700,7 +3617,7 @@
             <a:pPr rtl="0"/>
             <a:fld id="{FD61D088-210F-42DC-ACD5-E1FFEF1098D4}" type="datetime1">
               <a:rPr lang="fr-FR" noProof="0" smtClean="0"/>
-              <a:t>23/05/2022</a:t>
+              <a:t>24/05/2022</a:t>
             </a:fld>
             <a:endParaRPr lang="fr-FR" noProof="0" dirty="0"/>
           </a:p>
@@ -4068,7 +3985,7 @@
             <a:pPr rtl="0"/>
             <a:fld id="{7E80C968-2054-44C3-B09B-F851B537D294}" type="datetime1">
               <a:rPr lang="fr-FR" noProof="0" smtClean="0"/>
-              <a:t>23/05/2022</a:t>
+              <a:t>24/05/2022</a:t>
             </a:fld>
             <a:endParaRPr lang="fr-FR" noProof="0" dirty="0"/>
           </a:p>
@@ -4561,7 +4478,7 @@
             <a:pPr rtl="0"/>
             <a:fld id="{10941406-F29F-4B16-A525-7D046BB12041}" type="datetime1">
               <a:rPr lang="fr-FR" noProof="0" smtClean="0"/>
-              <a:t>23/05/2022</a:t>
+              <a:t>24/05/2022</a:t>
             </a:fld>
             <a:endParaRPr lang="fr-FR" noProof="0" dirty="0"/>
           </a:p>
@@ -5061,7 +4978,7 @@
             <a:pPr rtl="0"/>
             <a:fld id="{0D98C02E-D6F4-4B92-B035-AB316F10DE93}" type="datetime1">
               <a:rPr lang="fr-FR" noProof="0" smtClean="0"/>
-              <a:t>23/05/2022</a:t>
+              <a:t>24/05/2022</a:t>
             </a:fld>
             <a:endParaRPr lang="fr-FR" noProof="0" dirty="0"/>
           </a:p>
@@ -5498,7 +5415,7 @@
             <a:pPr rtl="0"/>
             <a:fld id="{F3838D5B-520B-4348-B77E-A945FEB2A3F0}" type="datetime1">
               <a:rPr lang="fr-FR" noProof="0" smtClean="0"/>
-              <a:t>23/05/2022</a:t>
+              <a:t>24/05/2022</a:t>
             </a:fld>
             <a:endParaRPr lang="fr-FR" noProof="0" dirty="0"/>
           </a:p>
@@ -5755,7 +5672,7 @@
             <a:pPr rtl="0"/>
             <a:fld id="{B07FF54D-0E67-4DFF-A299-1B42A6842A48}" type="datetime1">
               <a:rPr lang="fr-FR" noProof="0" smtClean="0"/>
-              <a:t>23/05/2022</a:t>
+              <a:t>24/05/2022</a:t>
             </a:fld>
             <a:endParaRPr lang="fr-FR" noProof="0" dirty="0"/>
           </a:p>
@@ -5988,7 +5905,7 @@
             <a:pPr rtl="0"/>
             <a:fld id="{6BB5975F-AF97-48B0-A771-BDE84E3E63E7}" type="datetime1">
               <a:rPr lang="fr-FR" noProof="0" smtClean="0"/>
-              <a:t>23/05/2022</a:t>
+              <a:t>24/05/2022</a:t>
             </a:fld>
             <a:endParaRPr lang="fr-FR" noProof="0" dirty="0"/>
           </a:p>
@@ -6396,7 +6313,7 @@
             <a:pPr rtl="0"/>
             <a:fld id="{FC93883D-CBBA-4740-A296-FA0AD91D38E0}" type="datetime1">
               <a:rPr lang="fr-FR" noProof="0" smtClean="0"/>
-              <a:t>23/05/2022</a:t>
+              <a:t>24/05/2022</a:t>
             </a:fld>
             <a:endParaRPr lang="fr-FR" noProof="0" dirty="0"/>
           </a:p>
@@ -6640,7 +6557,7 @@
             <a:pPr rtl="0"/>
             <a:fld id="{CF8E2845-AB0C-47C2-AA68-C880B7EE65F1}" type="datetime1">
               <a:rPr lang="fr-FR" noProof="0" smtClean="0"/>
-              <a:t>23/05/2022</a:t>
+              <a:t>24/05/2022</a:t>
             </a:fld>
             <a:endParaRPr lang="fr-FR" noProof="0" dirty="0"/>
           </a:p>
@@ -6840,7 +6757,7 @@
             <a:pPr rtl="0"/>
             <a:fld id="{6BF574EA-292B-4DF2-89A5-1F6FCB4C59DC}" type="datetime1">
               <a:rPr lang="fr-FR" noProof="0" smtClean="0"/>
-              <a:t>23/05/2022</a:t>
+              <a:t>24/05/2022</a:t>
             </a:fld>
             <a:endParaRPr lang="fr-FR" noProof="0" dirty="0"/>
           </a:p>
@@ -7300,7 +7217,7 @@
             <a:pPr rtl="0"/>
             <a:fld id="{262FF245-2F07-41EE-836D-2FC9DFD46227}" type="datetime1">
               <a:rPr lang="fr-FR" noProof="0" smtClean="0"/>
-              <a:t>23/05/2022</a:t>
+              <a:t>24/05/2022</a:t>
             </a:fld>
             <a:endParaRPr lang="fr-FR" noProof="0" dirty="0"/>
           </a:p>
@@ -7884,7 +7801,7 @@
             <a:pPr rtl="0"/>
             <a:fld id="{F7F514C5-0BA7-484D-8D85-04DDAD281388}" type="datetime1">
               <a:rPr lang="fr-FR" noProof="0" smtClean="0"/>
-              <a:t>23/05/2022</a:t>
+              <a:t>24/05/2022</a:t>
             </a:fld>
             <a:endParaRPr lang="fr-FR" noProof="0" dirty="0"/>
           </a:p>
@@ -8288,7 +8205,7 @@
             <a:pPr rtl="0"/>
             <a:fld id="{4F31AD53-A2E2-48F9-A40E-DFB99192E3E9}" type="datetime1">
               <a:rPr lang="fr-FR" noProof="0" smtClean="0"/>
-              <a:t>23/05/2022</a:t>
+              <a:t>24/05/2022</a:t>
             </a:fld>
             <a:endParaRPr lang="fr-FR" noProof="0" dirty="0"/>
           </a:p>
@@ -8431,7 +8348,7 @@
             <a:pPr rtl="0"/>
             <a:fld id="{6EBDC39D-A212-47A5-9B38-897F0B72D8B4}" type="datetime1">
               <a:rPr lang="fr-FR" noProof="0" smtClean="0"/>
-              <a:t>23/05/2022</a:t>
+              <a:t>24/05/2022</a:t>
             </a:fld>
             <a:endParaRPr lang="fr-FR" noProof="0" dirty="0"/>
           </a:p>
@@ -8623,7 +8540,7 @@
             <a:pPr rtl="0"/>
             <a:fld id="{BB483F18-6566-433B-91B2-3CA3376755C7}" type="datetime1">
               <a:rPr lang="fr-FR" noProof="0" smtClean="0"/>
-              <a:t>23/05/2022</a:t>
+              <a:t>24/05/2022</a:t>
             </a:fld>
             <a:endParaRPr lang="fr-FR" noProof="0" dirty="0"/>
           </a:p>
@@ -8939,7 +8856,7 @@
             <a:pPr rtl="0"/>
             <a:fld id="{4607C9D3-1F07-42C9-B1E4-B644CC70D1F7}" type="datetime1">
               <a:rPr lang="fr-FR" noProof="0" smtClean="0"/>
-              <a:t>23/05/2022</a:t>
+              <a:t>24/05/2022</a:t>
             </a:fld>
             <a:endParaRPr lang="fr-FR" noProof="0" dirty="0"/>
           </a:p>
@@ -9657,6 +9574,759 @@
 </p:sld>
 </file>
 
+<file path=ppt/slides/slide10.xml><?xml version="1.0" encoding="utf-8"?>
+<p:sld xmlns:a="http://schemas.openxmlformats.org/drawingml/2006/main" xmlns:r="http://schemas.openxmlformats.org/officeDocument/2006/relationships" xmlns:p="http://schemas.openxmlformats.org/presentationml/2006/main">
+  <p:cSld>
+    <p:spTree>
+      <p:nvGrpSpPr>
+        <p:cNvPr id="1" name=""/>
+        <p:cNvGrpSpPr/>
+        <p:nvPr/>
+      </p:nvGrpSpPr>
+      <p:grpSpPr>
+        <a:xfrm>
+          <a:off x="0" y="0"/>
+          <a:ext cx="0" cy="0"/>
+          <a:chOff x="0" y="0"/>
+          <a:chExt cx="0" cy="0"/>
+        </a:xfrm>
+      </p:grpSpPr>
+      <p:sp>
+        <p:nvSpPr>
+          <p:cNvPr id="2" name="Titre 1">
+            <a:extLst>
+              <a:ext uri="{FF2B5EF4-FFF2-40B4-BE49-F238E27FC236}">
+                <a16:creationId xmlns:a16="http://schemas.microsoft.com/office/drawing/2014/main" id="{3D3E080E-EEC9-736E-5EA1-524601418F48}"/>
+              </a:ext>
+            </a:extLst>
+          </p:cNvPr>
+          <p:cNvSpPr>
+            <a:spLocks noGrp="1"/>
+          </p:cNvSpPr>
+          <p:nvPr>
+            <p:ph type="title"/>
+          </p:nvPr>
+        </p:nvSpPr>
+        <p:spPr/>
+        <p:txBody>
+          <a:bodyPr/>
+          <a:lstStyle/>
+          <a:p>
+            <a:r>
+              <a:rPr lang="fr-FR" dirty="0"/>
+              <a:t>Meilleur outil?</a:t>
+            </a:r>
+          </a:p>
+        </p:txBody>
+      </p:sp>
+      <p:sp>
+        <p:nvSpPr>
+          <p:cNvPr id="3" name="Espace réservé du contenu 2">
+            <a:extLst>
+              <a:ext uri="{FF2B5EF4-FFF2-40B4-BE49-F238E27FC236}">
+                <a16:creationId xmlns:a16="http://schemas.microsoft.com/office/drawing/2014/main" id="{471A6022-0A26-60FC-F6DB-D53D1E32DCD5}"/>
+              </a:ext>
+            </a:extLst>
+          </p:cNvPr>
+          <p:cNvSpPr>
+            <a:spLocks noGrp="1"/>
+          </p:cNvSpPr>
+          <p:nvPr>
+            <p:ph idx="1"/>
+          </p:nvPr>
+        </p:nvSpPr>
+        <p:spPr>
+          <a:xfrm>
+            <a:off x="1097280" y="1737360"/>
+            <a:ext cx="10058400" cy="4834037"/>
+          </a:xfrm>
+        </p:spPr>
+        <p:txBody>
+          <a:bodyPr>
+            <a:noAutofit/>
+          </a:bodyPr>
+          <a:lstStyle/>
+          <a:p>
+            <a:r>
+              <a:rPr lang="fr-FR" sz="1800" b="1" i="1" dirty="0" err="1">
+                <a:solidFill>
+                  <a:srgbClr val="444444"/>
+                </a:solidFill>
+                <a:effectLst/>
+                <a:latin typeface="-apple-system"/>
+              </a:rPr>
+              <a:t>Practitest</a:t>
+            </a:r>
+            <a:r>
+              <a:rPr lang="fr-FR" sz="1800" b="0" i="1" dirty="0">
+                <a:solidFill>
+                  <a:srgbClr val="444444"/>
+                </a:solidFill>
+                <a:effectLst/>
+                <a:latin typeface="-apple-system"/>
+              </a:rPr>
+              <a:t> est le meilleur outil pour notre compagne. c’est un service basé sur le cloud. L’utilisateur est en mesure de :</a:t>
+            </a:r>
+          </a:p>
+          <a:p>
+            <a:r>
+              <a:rPr lang="fr-FR" sz="1800" b="0" i="1" dirty="0">
+                <a:solidFill>
+                  <a:srgbClr val="444444"/>
+                </a:solidFill>
+                <a:effectLst/>
+                <a:latin typeface="-apple-system"/>
+              </a:rPr>
+              <a:t>je crée des projets</a:t>
+            </a:r>
+          </a:p>
+          <a:p>
+            <a:r>
+              <a:rPr lang="fr-FR" sz="1800" b="0" i="1" dirty="0">
+                <a:solidFill>
+                  <a:srgbClr val="444444"/>
+                </a:solidFill>
+                <a:effectLst/>
+                <a:latin typeface="-apple-system"/>
+              </a:rPr>
+              <a:t>créer une bibliothèque de tests</a:t>
+            </a:r>
+          </a:p>
+          <a:p>
+            <a:r>
+              <a:rPr lang="fr-FR" sz="1800" b="0" i="1" dirty="0">
+                <a:solidFill>
+                  <a:srgbClr val="444444"/>
+                </a:solidFill>
+                <a:effectLst/>
+                <a:latin typeface="-apple-system"/>
+              </a:rPr>
+              <a:t>décrire différents types de cas de test</a:t>
+            </a:r>
+          </a:p>
+          <a:p>
+            <a:r>
+              <a:rPr lang="fr-FR" sz="1800" b="0" i="1" dirty="0">
+                <a:solidFill>
+                  <a:srgbClr val="444444"/>
+                </a:solidFill>
+                <a:effectLst/>
+                <a:latin typeface="-apple-system"/>
+              </a:rPr>
+              <a:t>scénarios de test d’écriture</a:t>
+            </a:r>
+          </a:p>
+          <a:p>
+            <a:r>
+              <a:rPr lang="fr-FR" sz="1800" b="0" i="1" dirty="0">
+                <a:solidFill>
+                  <a:srgbClr val="444444"/>
+                </a:solidFill>
+                <a:effectLst/>
+                <a:latin typeface="-apple-system"/>
+              </a:rPr>
+              <a:t>Support, support user stories avec ce service</a:t>
+            </a:r>
+          </a:p>
+          <a:p>
+            <a:r>
+              <a:rPr lang="fr-FR" sz="1800" b="0" i="1" dirty="0">
+                <a:solidFill>
+                  <a:srgbClr val="444444"/>
+                </a:solidFill>
+                <a:effectLst/>
+                <a:latin typeface="-apple-system"/>
+              </a:rPr>
+              <a:t>décrire et télécharger les exigences pour le produit en cours de développement</a:t>
+            </a:r>
+          </a:p>
+          <a:p>
+            <a:r>
+              <a:rPr lang="fr-FR" sz="1800" b="0" i="1" dirty="0">
+                <a:solidFill>
+                  <a:srgbClr val="444444"/>
+                </a:solidFill>
+                <a:effectLst/>
+                <a:latin typeface="-apple-system"/>
+              </a:rPr>
+              <a:t>créer une suite de tests, l’affecter à un testeur et marquer les dates de test exactes</a:t>
+            </a:r>
+          </a:p>
+          <a:p>
+            <a:r>
+              <a:rPr lang="fr-FR" sz="1800" b="0" i="1" dirty="0">
+                <a:solidFill>
+                  <a:srgbClr val="444444"/>
+                </a:solidFill>
+                <a:effectLst/>
+                <a:latin typeface="-apple-system"/>
+              </a:rPr>
+              <a:t>utiliser les mérites de l’API</a:t>
+            </a:r>
+          </a:p>
+          <a:p>
+            <a:r>
+              <a:rPr lang="fr-FR" sz="1800" b="0" i="1" dirty="0">
+                <a:solidFill>
+                  <a:srgbClr val="444444"/>
+                </a:solidFill>
+                <a:effectLst/>
+                <a:latin typeface="-apple-system"/>
+              </a:rPr>
+              <a:t>signaler un défaut, une amélioration ou une tâche</a:t>
+            </a:r>
+          </a:p>
+          <a:p>
+            <a:endParaRPr lang="fr-FR" sz="1800" b="0" i="1" dirty="0">
+              <a:solidFill>
+                <a:srgbClr val="444444"/>
+              </a:solidFill>
+              <a:effectLst/>
+              <a:latin typeface="-apple-system"/>
+            </a:endParaRPr>
+          </a:p>
+        </p:txBody>
+      </p:sp>
+    </p:spTree>
+    <p:extLst>
+      <p:ext uri="{BB962C8B-B14F-4D97-AF65-F5344CB8AC3E}">
+        <p14:creationId xmlns:p14="http://schemas.microsoft.com/office/powerpoint/2010/main" val="1868380727"/>
+      </p:ext>
+    </p:extLst>
+  </p:cSld>
+  <p:clrMapOvr>
+    <a:masterClrMapping/>
+  </p:clrMapOvr>
+</p:sld>
+</file>
+
+<file path=ppt/slides/slide11.xml><?xml version="1.0" encoding="utf-8"?>
+<p:sld xmlns:a="http://schemas.openxmlformats.org/drawingml/2006/main" xmlns:r="http://schemas.openxmlformats.org/officeDocument/2006/relationships" xmlns:p="http://schemas.openxmlformats.org/presentationml/2006/main">
+  <p:cSld>
+    <p:spTree>
+      <p:nvGrpSpPr>
+        <p:cNvPr id="1" name=""/>
+        <p:cNvGrpSpPr/>
+        <p:nvPr/>
+      </p:nvGrpSpPr>
+      <p:grpSpPr>
+        <a:xfrm>
+          <a:off x="0" y="0"/>
+          <a:ext cx="0" cy="0"/>
+          <a:chOff x="0" y="0"/>
+          <a:chExt cx="0" cy="0"/>
+        </a:xfrm>
+      </p:grpSpPr>
+      <p:sp>
+        <p:nvSpPr>
+          <p:cNvPr id="3" name="Espace réservé du contenu 2">
+            <a:extLst>
+              <a:ext uri="{FF2B5EF4-FFF2-40B4-BE49-F238E27FC236}">
+                <a16:creationId xmlns:a16="http://schemas.microsoft.com/office/drawing/2014/main" id="{6AFEE3BC-D501-16F2-D5E4-3B5F2E4F7AA8}"/>
+              </a:ext>
+            </a:extLst>
+          </p:cNvPr>
+          <p:cNvSpPr>
+            <a:spLocks noGrp="1"/>
+          </p:cNvSpPr>
+          <p:nvPr>
+            <p:ph idx="1"/>
+          </p:nvPr>
+        </p:nvSpPr>
+        <p:spPr>
+          <a:xfrm>
+            <a:off x="1174018" y="640908"/>
+            <a:ext cx="10058400" cy="5494078"/>
+          </a:xfrm>
+        </p:spPr>
+        <p:txBody>
+          <a:bodyPr>
+            <a:normAutofit/>
+          </a:bodyPr>
+          <a:lstStyle/>
+          <a:p>
+            <a:r>
+              <a:rPr lang="fr-FR" sz="2000" b="0" i="1" dirty="0" err="1">
+                <a:solidFill>
+                  <a:srgbClr val="444444"/>
+                </a:solidFill>
+                <a:effectLst/>
+                <a:latin typeface="-apple-system"/>
+              </a:rPr>
+              <a:t>PractiTest</a:t>
+            </a:r>
+            <a:r>
+              <a:rPr lang="fr-FR" sz="2000" b="0" i="0" dirty="0">
+                <a:solidFill>
+                  <a:srgbClr val="444444"/>
+                </a:solidFill>
+                <a:effectLst/>
+                <a:latin typeface="-apple-system"/>
+              </a:rPr>
+              <a:t> s’intègre à certains des mêmes systèmes tels que </a:t>
+            </a:r>
+            <a:r>
+              <a:rPr lang="fr-FR" sz="2000" b="0" i="1" dirty="0">
+                <a:solidFill>
+                  <a:srgbClr val="444444"/>
+                </a:solidFill>
+                <a:effectLst/>
+                <a:latin typeface="-apple-system"/>
+              </a:rPr>
+              <a:t>JIRA, Tracker</a:t>
+            </a:r>
+            <a:r>
+              <a:rPr lang="fr-FR" sz="2000" b="0" i="0" dirty="0">
+                <a:solidFill>
+                  <a:srgbClr val="444444"/>
+                </a:solidFill>
+                <a:effectLst/>
+                <a:latin typeface="-apple-system"/>
+              </a:rPr>
+              <a:t>, </a:t>
+            </a:r>
+            <a:r>
+              <a:rPr lang="fr-FR" sz="2000" b="0" i="1" dirty="0">
+                <a:solidFill>
+                  <a:srgbClr val="444444"/>
+                </a:solidFill>
+                <a:effectLst/>
+                <a:latin typeface="-apple-system"/>
+              </a:rPr>
+              <a:t>Redmine</a:t>
+            </a:r>
+            <a:r>
+              <a:rPr lang="fr-FR" sz="2000" b="0" i="0" dirty="0">
+                <a:solidFill>
+                  <a:srgbClr val="444444"/>
+                </a:solidFill>
+                <a:effectLst/>
+                <a:latin typeface="-apple-system"/>
+              </a:rPr>
+              <a:t> et autres.</a:t>
+            </a:r>
+          </a:p>
+          <a:p>
+            <a:r>
+              <a:rPr lang="fr-FR" sz="2000" b="0" i="0" dirty="0">
+                <a:solidFill>
+                  <a:srgbClr val="444444"/>
+                </a:solidFill>
+                <a:effectLst/>
+                <a:latin typeface="-apple-system"/>
+              </a:rPr>
+              <a:t> Si vous avez des tests atomisés fonctionnant avec </a:t>
+            </a:r>
+            <a:r>
+              <a:rPr lang="fr-FR" sz="2000" b="0" i="1" dirty="0" err="1">
+                <a:solidFill>
+                  <a:srgbClr val="444444"/>
+                </a:solidFill>
+                <a:effectLst/>
+                <a:latin typeface="-apple-system"/>
+              </a:rPr>
+              <a:t>Selenium</a:t>
+            </a:r>
+            <a:r>
+              <a:rPr lang="fr-FR" sz="2000" b="0" i="0" dirty="0">
+                <a:solidFill>
+                  <a:srgbClr val="444444"/>
+                </a:solidFill>
+                <a:effectLst/>
+                <a:latin typeface="-apple-system"/>
+              </a:rPr>
+              <a:t> </a:t>
+            </a:r>
+            <a:r>
+              <a:rPr lang="fr-FR" sz="2000" b="0" i="1" dirty="0">
+                <a:solidFill>
+                  <a:srgbClr val="444444"/>
+                </a:solidFill>
+                <a:effectLst/>
+                <a:latin typeface="-apple-system"/>
+              </a:rPr>
+              <a:t>ou Jenkins</a:t>
+            </a:r>
+            <a:r>
+              <a:rPr lang="fr-FR" sz="2000" b="0" i="0" dirty="0">
+                <a:solidFill>
+                  <a:srgbClr val="444444"/>
+                </a:solidFill>
+                <a:effectLst/>
+                <a:latin typeface="-apple-system"/>
+              </a:rPr>
+              <a:t>, cet outil de gestion des tests est également capable de fonctionner avec eux à l’aide de </a:t>
+            </a:r>
+            <a:r>
+              <a:rPr lang="fr-FR" sz="2000" b="0" i="1" dirty="0">
+                <a:solidFill>
+                  <a:srgbClr val="444444"/>
+                </a:solidFill>
+                <a:effectLst/>
+                <a:latin typeface="-apple-system"/>
+              </a:rPr>
+              <a:t>l’API</a:t>
+            </a:r>
+          </a:p>
+          <a:p>
+            <a:r>
+              <a:rPr lang="en-US" sz="2000" dirty="0"/>
+              <a:t>Pricing Details: $35.00/month/user, Free Trial 14 days</a:t>
+            </a:r>
+          </a:p>
+          <a:p>
+            <a:r>
+              <a:rPr lang="en-US" dirty="0"/>
+              <a:t>Deployment: SaaS, iPhone, iPad, Android, Windows, Mac, Linux</a:t>
+            </a:r>
+          </a:p>
+          <a:p>
+            <a:r>
+              <a:rPr lang="en-US" dirty="0"/>
+              <a:t>Vendor Details: Company Name H.S PractiTest, Founded2008, Country Israel</a:t>
+            </a:r>
+          </a:p>
+          <a:p>
+            <a:r>
+              <a:rPr lang="en-US" dirty="0"/>
+              <a:t>Website </a:t>
+            </a:r>
+            <a:r>
+              <a:rPr lang="en-US" dirty="0">
+                <a:hlinkClick r:id="rId2"/>
+              </a:rPr>
+              <a:t>www.practitest.com</a:t>
+            </a:r>
+            <a:endParaRPr lang="en-US" dirty="0"/>
+          </a:p>
+          <a:p>
+            <a:endParaRPr lang="en-US" dirty="0"/>
+          </a:p>
+          <a:p>
+            <a:endParaRPr lang="fr-FR" dirty="0"/>
+          </a:p>
+        </p:txBody>
+      </p:sp>
+    </p:spTree>
+    <p:extLst>
+      <p:ext uri="{BB962C8B-B14F-4D97-AF65-F5344CB8AC3E}">
+        <p14:creationId xmlns:p14="http://schemas.microsoft.com/office/powerpoint/2010/main" val="475198275"/>
+      </p:ext>
+    </p:extLst>
+  </p:cSld>
+  <p:clrMapOvr>
+    <a:masterClrMapping/>
+  </p:clrMapOvr>
+</p:sld>
+</file>
+
+<file path=ppt/slides/slide12.xml><?xml version="1.0" encoding="utf-8"?>
+<p:sld xmlns:a="http://schemas.openxmlformats.org/drawingml/2006/main" xmlns:r="http://schemas.openxmlformats.org/officeDocument/2006/relationships" xmlns:p="http://schemas.openxmlformats.org/presentationml/2006/main">
+  <p:cSld>
+    <p:bg>
+      <p:bgPr>
+        <a:solidFill>
+          <a:schemeClr val="bg1"/>
+        </a:solidFill>
+        <a:effectLst/>
+      </p:bgPr>
+    </p:bg>
+    <p:spTree>
+      <p:nvGrpSpPr>
+        <p:cNvPr id="1" name=""/>
+        <p:cNvGrpSpPr/>
+        <p:nvPr/>
+      </p:nvGrpSpPr>
+      <p:grpSpPr>
+        <a:xfrm>
+          <a:off x="0" y="0"/>
+          <a:ext cx="0" cy="0"/>
+          <a:chOff x="0" y="0"/>
+          <a:chExt cx="0" cy="0"/>
+        </a:xfrm>
+      </p:grpSpPr>
+      <p:sp>
+        <p:nvSpPr>
+          <p:cNvPr id="13" name="Rectangle 12">
+            <a:extLst>
+              <a:ext uri="{FF2B5EF4-FFF2-40B4-BE49-F238E27FC236}">
+                <a16:creationId xmlns:a16="http://schemas.microsoft.com/office/drawing/2014/main" id="{39E3965E-AC41-4711-9D10-E25ABB132D86}"/>
+              </a:ext>
+              <a:ext uri="{C183D7F6-B498-43B3-948B-1728B52AA6E4}">
+                <adec:decorative xmlns:adec="http://schemas.microsoft.com/office/drawing/2017/decorative" val="1"/>
+              </a:ext>
+            </a:extLst>
+          </p:cNvPr>
+          <p:cNvSpPr>
+            <a:spLocks noGrp="1" noRot="1" noChangeAspect="1" noMove="1" noResize="1" noEditPoints="1" noAdjustHandles="1" noChangeArrowheads="1" noChangeShapeType="1" noTextEdit="1"/>
+          </p:cNvSpPr>
+          <p:nvPr>
+            <p:extLst>
+              <p:ext uri="{386F3935-93C4-4BCD-93E2-E3B085C9AB24}">
+                <p16:designElem xmlns:p16="http://schemas.microsoft.com/office/powerpoint/2015/main" val="1"/>
+              </p:ext>
+            </p:extLst>
+          </p:nvPr>
+        </p:nvSpPr>
+        <p:spPr>
+          <a:xfrm>
+            <a:off x="3175" y="6400800"/>
+            <a:ext cx="12188825" cy="457200"/>
+          </a:xfrm>
+          <a:prstGeom prst="rect">
+            <a:avLst/>
+          </a:prstGeom>
+          <a:solidFill>
+            <a:srgbClr val="262626"/>
+          </a:solidFill>
+          <a:ln>
+            <a:noFill/>
+          </a:ln>
+        </p:spPr>
+        <p:style>
+          <a:lnRef idx="2">
+            <a:schemeClr val="accent1">
+              <a:shade val="50000"/>
+            </a:schemeClr>
+          </a:lnRef>
+          <a:fillRef idx="1">
+            <a:schemeClr val="accent1"/>
+          </a:fillRef>
+          <a:effectRef idx="0">
+            <a:schemeClr val="accent1"/>
+          </a:effectRef>
+          <a:fontRef idx="minor">
+            <a:schemeClr val="lt1"/>
+          </a:fontRef>
+        </p:style>
+      </p:sp>
+      <p:cxnSp>
+        <p:nvCxnSpPr>
+          <p:cNvPr id="15" name="Connecteur droit 14">
+            <a:extLst>
+              <a:ext uri="{FF2B5EF4-FFF2-40B4-BE49-F238E27FC236}">
+                <a16:creationId xmlns:a16="http://schemas.microsoft.com/office/drawing/2014/main" id="{1F5DC8C3-BA5F-4EED-BB9A-A14272BD82A1}"/>
+              </a:ext>
+              <a:ext uri="{C183D7F6-B498-43B3-948B-1728B52AA6E4}">
+                <adec:decorative xmlns:adec="http://schemas.microsoft.com/office/drawing/2017/decorative" val="1"/>
+              </a:ext>
+            </a:extLst>
+          </p:cNvPr>
+          <p:cNvCxnSpPr>
+            <a:cxnSpLocks noGrp="1" noRot="1" noChangeAspect="1" noMove="1" noResize="1" noEditPoints="1" noAdjustHandles="1" noChangeArrowheads="1" noChangeShapeType="1"/>
+          </p:cNvCxnSpPr>
+          <p:nvPr>
+            <p:extLst>
+              <p:ext uri="{386F3935-93C4-4BCD-93E2-E3B085C9AB24}">
+                <p16:designElem xmlns:p16="http://schemas.microsoft.com/office/powerpoint/2015/main" val="1"/>
+              </p:ext>
+            </p:extLst>
+          </p:nvPr>
+        </p:nvCxnSpPr>
+        <p:spPr>
+          <a:xfrm>
+            <a:off x="1207658" y="4474741"/>
+            <a:ext cx="9875520" cy="0"/>
+          </a:xfrm>
+          <a:prstGeom prst="line">
+            <a:avLst/>
+          </a:prstGeom>
+          <a:ln w="12700">
+            <a:solidFill>
+              <a:schemeClr val="tx1">
+                <a:lumMod val="75000"/>
+                <a:lumOff val="25000"/>
+              </a:schemeClr>
+            </a:solidFill>
+          </a:ln>
+        </p:spPr>
+        <p:style>
+          <a:lnRef idx="1">
+            <a:schemeClr val="accent1"/>
+          </a:lnRef>
+          <a:fillRef idx="0">
+            <a:schemeClr val="accent1"/>
+          </a:fillRef>
+          <a:effectRef idx="0">
+            <a:schemeClr val="accent1"/>
+          </a:effectRef>
+          <a:fontRef idx="minor">
+            <a:schemeClr val="tx1"/>
+          </a:fontRef>
+        </p:style>
+      </p:cxnSp>
+      <p:sp>
+        <p:nvSpPr>
+          <p:cNvPr id="17" name="Rectangle 16">
+            <a:extLst>
+              <a:ext uri="{FF2B5EF4-FFF2-40B4-BE49-F238E27FC236}">
+                <a16:creationId xmlns:a16="http://schemas.microsoft.com/office/drawing/2014/main" id="{FBDCECDC-EEE3-4128-AA5E-82A8C08796E8}"/>
+              </a:ext>
+              <a:ext uri="{C183D7F6-B498-43B3-948B-1728B52AA6E4}">
+                <adec:decorative xmlns:adec="http://schemas.microsoft.com/office/drawing/2017/decorative" val="1"/>
+              </a:ext>
+            </a:extLst>
+          </p:cNvPr>
+          <p:cNvSpPr>
+            <a:spLocks noGrp="1" noRot="1" noChangeAspect="1" noMove="1" noResize="1" noEditPoints="1" noAdjustHandles="1" noChangeArrowheads="1" noChangeShapeType="1" noTextEdit="1"/>
+          </p:cNvSpPr>
+          <p:nvPr>
+            <p:extLst>
+              <p:ext uri="{386F3935-93C4-4BCD-93E2-E3B085C9AB24}">
+                <p16:designElem xmlns:p16="http://schemas.microsoft.com/office/powerpoint/2015/main" val="1"/>
+              </p:ext>
+            </p:extLst>
+          </p:nvPr>
+        </p:nvSpPr>
+        <p:spPr>
+          <a:xfrm>
+            <a:off x="1507" y="0"/>
+            <a:ext cx="12192000" cy="6858000"/>
+          </a:xfrm>
+          <a:prstGeom prst="rect">
+            <a:avLst/>
+          </a:prstGeom>
+          <a:solidFill>
+            <a:schemeClr val="accent1"/>
+          </a:solidFill>
+          <a:ln>
+            <a:noFill/>
+          </a:ln>
+        </p:spPr>
+        <p:style>
+          <a:lnRef idx="2">
+            <a:schemeClr val="accent1">
+              <a:shade val="50000"/>
+            </a:schemeClr>
+          </a:lnRef>
+          <a:fillRef idx="1">
+            <a:schemeClr val="accent1"/>
+          </a:fillRef>
+          <a:effectRef idx="0">
+            <a:schemeClr val="accent1"/>
+          </a:effectRef>
+          <a:fontRef idx="minor">
+            <a:schemeClr val="lt1"/>
+          </a:fontRef>
+        </p:style>
+        <p:txBody>
+          <a:bodyPr rtlCol="0" anchor="ctr"/>
+          <a:lstStyle/>
+          <a:p>
+            <a:pPr algn="ctr" rtl="0"/>
+            <a:endParaRPr lang="fr-FR" dirty="0"/>
+          </a:p>
+        </p:txBody>
+      </p:sp>
+      <p:sp>
+        <p:nvSpPr>
+          <p:cNvPr id="7" name="Titre 6">
+            <a:extLst>
+              <a:ext uri="{FF2B5EF4-FFF2-40B4-BE49-F238E27FC236}">
+                <a16:creationId xmlns:a16="http://schemas.microsoft.com/office/drawing/2014/main" id="{5365BF64-4B30-4125-9A30-A1B08C80ED7D}"/>
+              </a:ext>
+            </a:extLst>
+          </p:cNvPr>
+          <p:cNvSpPr>
+            <a:spLocks noGrp="1"/>
+          </p:cNvSpPr>
+          <p:nvPr>
+            <p:ph type="title"/>
+          </p:nvPr>
+        </p:nvSpPr>
+        <p:spPr>
+          <a:xfrm>
+            <a:off x="1097280" y="758952"/>
+            <a:ext cx="10058400" cy="3892168"/>
+          </a:xfrm>
+        </p:spPr>
+        <p:txBody>
+          <a:bodyPr vert="horz" lIns="91440" tIns="45720" rIns="91440" bIns="45720" rtlCol="0" anchor="b">
+            <a:normAutofit/>
+          </a:bodyPr>
+          <a:lstStyle/>
+          <a:p>
+            <a:pPr rtl="0"/>
+            <a:r>
+              <a:rPr lang="fr-FR" sz="9600" dirty="0">
+                <a:solidFill>
+                  <a:srgbClr val="FFFFFF"/>
+                </a:solidFill>
+                <a:latin typeface="+mj-lt"/>
+              </a:rPr>
+              <a:t>Merci</a:t>
+            </a:r>
+          </a:p>
+        </p:txBody>
+      </p:sp>
+      <p:sp>
+        <p:nvSpPr>
+          <p:cNvPr id="19" name="Rectangle 18">
+            <a:extLst>
+              <a:ext uri="{FF2B5EF4-FFF2-40B4-BE49-F238E27FC236}">
+                <a16:creationId xmlns:a16="http://schemas.microsoft.com/office/drawing/2014/main" id="{4260EDE0-989C-4E16-AF94-F652294D828E}"/>
+              </a:ext>
+              <a:ext uri="{C183D7F6-B498-43B3-948B-1728B52AA6E4}">
+                <adec:decorative xmlns:adec="http://schemas.microsoft.com/office/drawing/2017/decorative" val="1"/>
+              </a:ext>
+            </a:extLst>
+          </p:cNvPr>
+          <p:cNvSpPr>
+            <a:spLocks noGrp="1" noRot="1" noChangeAspect="1" noMove="1" noResize="1" noEditPoints="1" noAdjustHandles="1" noChangeArrowheads="1" noChangeShapeType="1" noTextEdit="1"/>
+          </p:cNvSpPr>
+          <p:nvPr>
+            <p:extLst>
+              <p:ext uri="{386F3935-93C4-4BCD-93E2-E3B085C9AB24}">
+                <p16:designElem xmlns:p16="http://schemas.microsoft.com/office/powerpoint/2015/main" val="1"/>
+              </p:ext>
+            </p:extLst>
+          </p:nvPr>
+        </p:nvSpPr>
+        <p:spPr bwMode="white">
+          <a:xfrm>
+            <a:off x="1507" y="4953000"/>
+            <a:ext cx="12188952" cy="1905000"/>
+          </a:xfrm>
+          <a:prstGeom prst="rect">
+            <a:avLst/>
+          </a:prstGeom>
+          <a:solidFill>
+            <a:srgbClr val="262626"/>
+          </a:solidFill>
+          <a:ln>
+            <a:noFill/>
+          </a:ln>
+        </p:spPr>
+        <p:style>
+          <a:lnRef idx="2">
+            <a:schemeClr val="accent1">
+              <a:shade val="50000"/>
+            </a:schemeClr>
+          </a:lnRef>
+          <a:fillRef idx="1">
+            <a:schemeClr val="accent1"/>
+          </a:fillRef>
+          <a:effectRef idx="0">
+            <a:schemeClr val="accent1"/>
+          </a:effectRef>
+          <a:fontRef idx="minor">
+            <a:schemeClr val="lt1"/>
+          </a:fontRef>
+        </p:style>
+      </p:sp>
+    </p:spTree>
+    <p:extLst>
+      <p:ext uri="{BB962C8B-B14F-4D97-AF65-F5344CB8AC3E}">
+        <p14:creationId xmlns:p14="http://schemas.microsoft.com/office/powerpoint/2010/main" val="4127971368"/>
+      </p:ext>
+    </p:extLst>
+  </p:cSld>
+  <p:clrMapOvr>
+    <a:masterClrMapping/>
+  </p:clrMapOvr>
+</p:sld>
+</file>
+
 <file path=ppt/slides/slide2.xml><?xml version="1.0" encoding="utf-8"?>
 <p:sld xmlns:a="http://schemas.openxmlformats.org/drawingml/2006/main" xmlns:r="http://schemas.openxmlformats.org/officeDocument/2006/relationships" xmlns:p="http://schemas.openxmlformats.org/presentationml/2006/main">
   <p:cSld>
@@ -10811,8 +11481,8 @@
         </p:blipFill>
         <p:spPr>
           <a:xfrm>
-            <a:off x="5523989" y="1865058"/>
-            <a:ext cx="2463132" cy="1101928"/>
+            <a:off x="5506429" y="884554"/>
+            <a:ext cx="2042688" cy="913835"/>
           </a:xfrm>
           <a:prstGeom prst="rect">
             <a:avLst/>
@@ -10841,8 +11511,8 @@
         </p:blipFill>
         <p:spPr>
           <a:xfrm>
-            <a:off x="7008865" y="3519841"/>
-            <a:ext cx="2906353" cy="918517"/>
+            <a:off x="5321970" y="1927193"/>
+            <a:ext cx="2703938" cy="854546"/>
           </a:xfrm>
           <a:prstGeom prst="rect">
             <a:avLst/>
@@ -10871,8 +11541,188 @@
         </p:blipFill>
         <p:spPr>
           <a:xfrm>
-            <a:off x="9445873" y="1554826"/>
+            <a:off x="9615994" y="783197"/>
             <a:ext cx="1620085" cy="1571269"/>
+          </a:xfrm>
+          <a:prstGeom prst="rect">
+            <a:avLst/>
+          </a:prstGeom>
+        </p:spPr>
+      </p:pic>
+      <p:pic>
+        <p:nvPicPr>
+          <p:cNvPr id="3" name="Image 2">
+            <a:extLst>
+              <a:ext uri="{FF2B5EF4-FFF2-40B4-BE49-F238E27FC236}">
+                <a16:creationId xmlns:a16="http://schemas.microsoft.com/office/drawing/2014/main" id="{11487D90-F698-C2F8-FE06-A7031824334C}"/>
+              </a:ext>
+            </a:extLst>
+          </p:cNvPr>
+          <p:cNvPicPr>
+            <a:picLocks noChangeAspect="1"/>
+          </p:cNvPicPr>
+          <p:nvPr/>
+        </p:nvPicPr>
+        <p:blipFill>
+          <a:blip r:embed="rId6"/>
+          <a:stretch>
+            <a:fillRect/>
+          </a:stretch>
+        </p:blipFill>
+        <p:spPr>
+          <a:xfrm>
+            <a:off x="5592724" y="3060582"/>
+            <a:ext cx="2035361" cy="457752"/>
+          </a:xfrm>
+          <a:prstGeom prst="rect">
+            <a:avLst/>
+          </a:prstGeom>
+        </p:spPr>
+      </p:pic>
+      <p:pic>
+        <p:nvPicPr>
+          <p:cNvPr id="5" name="Image 4">
+            <a:extLst>
+              <a:ext uri="{FF2B5EF4-FFF2-40B4-BE49-F238E27FC236}">
+                <a16:creationId xmlns:a16="http://schemas.microsoft.com/office/drawing/2014/main" id="{1BF2EB23-5D48-9A97-1ED0-BE9C4AF55285}"/>
+              </a:ext>
+            </a:extLst>
+          </p:cNvPr>
+          <p:cNvPicPr>
+            <a:picLocks noChangeAspect="1"/>
+          </p:cNvPicPr>
+          <p:nvPr/>
+        </p:nvPicPr>
+        <p:blipFill>
+          <a:blip r:embed="rId7"/>
+          <a:stretch>
+            <a:fillRect/>
+          </a:stretch>
+        </p:blipFill>
+        <p:spPr>
+          <a:xfrm>
+            <a:off x="9463855" y="2662783"/>
+            <a:ext cx="1924361" cy="538657"/>
+          </a:xfrm>
+          <a:prstGeom prst="rect">
+            <a:avLst/>
+          </a:prstGeom>
+        </p:spPr>
+      </p:pic>
+      <p:pic>
+        <p:nvPicPr>
+          <p:cNvPr id="8" name="Image 7">
+            <a:extLst>
+              <a:ext uri="{FF2B5EF4-FFF2-40B4-BE49-F238E27FC236}">
+                <a16:creationId xmlns:a16="http://schemas.microsoft.com/office/drawing/2014/main" id="{56C715FC-AC45-D61F-3229-AC72A900ED45}"/>
+              </a:ext>
+            </a:extLst>
+          </p:cNvPr>
+          <p:cNvPicPr>
+            <a:picLocks noChangeAspect="1"/>
+          </p:cNvPicPr>
+          <p:nvPr/>
+        </p:nvPicPr>
+        <p:blipFill>
+          <a:blip r:embed="rId8"/>
+          <a:stretch>
+            <a:fillRect/>
+          </a:stretch>
+        </p:blipFill>
+        <p:spPr>
+          <a:xfrm>
+            <a:off x="9497218" y="3657604"/>
+            <a:ext cx="1857634" cy="838317"/>
+          </a:xfrm>
+          <a:prstGeom prst="rect">
+            <a:avLst/>
+          </a:prstGeom>
+        </p:spPr>
+      </p:pic>
+      <p:pic>
+        <p:nvPicPr>
+          <p:cNvPr id="10" name="Image 9">
+            <a:extLst>
+              <a:ext uri="{FF2B5EF4-FFF2-40B4-BE49-F238E27FC236}">
+                <a16:creationId xmlns:a16="http://schemas.microsoft.com/office/drawing/2014/main" id="{4642AFD3-14A8-E639-B9BB-35773575E5D3}"/>
+              </a:ext>
+            </a:extLst>
+          </p:cNvPr>
+          <p:cNvPicPr>
+            <a:picLocks noChangeAspect="1"/>
+          </p:cNvPicPr>
+          <p:nvPr/>
+        </p:nvPicPr>
+        <p:blipFill>
+          <a:blip r:embed="rId9"/>
+          <a:stretch>
+            <a:fillRect/>
+          </a:stretch>
+        </p:blipFill>
+        <p:spPr>
+          <a:xfrm>
+            <a:off x="5491920" y="3976891"/>
+            <a:ext cx="2406780" cy="838316"/>
+          </a:xfrm>
+          <a:prstGeom prst="rect">
+            <a:avLst/>
+          </a:prstGeom>
+        </p:spPr>
+      </p:pic>
+      <p:pic>
+        <p:nvPicPr>
+          <p:cNvPr id="12" name="Image 11">
+            <a:extLst>
+              <a:ext uri="{FF2B5EF4-FFF2-40B4-BE49-F238E27FC236}">
+                <a16:creationId xmlns:a16="http://schemas.microsoft.com/office/drawing/2014/main" id="{5F8DD317-786F-5F8B-BC15-A07B71615B94}"/>
+              </a:ext>
+            </a:extLst>
+          </p:cNvPr>
+          <p:cNvPicPr>
+            <a:picLocks noChangeAspect="1"/>
+          </p:cNvPicPr>
+          <p:nvPr/>
+        </p:nvPicPr>
+        <p:blipFill>
+          <a:blip r:embed="rId10"/>
+          <a:stretch>
+            <a:fillRect/>
+          </a:stretch>
+        </p:blipFill>
+        <p:spPr>
+          <a:xfrm>
+            <a:off x="9886156" y="4952081"/>
+            <a:ext cx="1079758" cy="1096499"/>
+          </a:xfrm>
+          <a:prstGeom prst="rect">
+            <a:avLst/>
+          </a:prstGeom>
+        </p:spPr>
+      </p:pic>
+      <p:pic>
+        <p:nvPicPr>
+          <p:cNvPr id="17" name="Image 16">
+            <a:extLst>
+              <a:ext uri="{FF2B5EF4-FFF2-40B4-BE49-F238E27FC236}">
+                <a16:creationId xmlns:a16="http://schemas.microsoft.com/office/drawing/2014/main" id="{A03B91BD-8F62-BBE1-E30C-F8405FDF773F}"/>
+              </a:ext>
+            </a:extLst>
+          </p:cNvPr>
+          <p:cNvPicPr>
+            <a:picLocks noChangeAspect="1"/>
+          </p:cNvPicPr>
+          <p:nvPr/>
+        </p:nvPicPr>
+        <p:blipFill>
+          <a:blip r:embed="rId11"/>
+          <a:stretch>
+            <a:fillRect/>
+          </a:stretch>
+        </p:blipFill>
+        <p:spPr>
+          <a:xfrm>
+            <a:off x="5842703" y="5191831"/>
+            <a:ext cx="1705213" cy="638264"/>
           </a:xfrm>
           <a:prstGeom prst="rect">
             <a:avLst/>
@@ -10914,7 +11764,7 @@
           <p:cNvPr id="10" name="Title 1">
             <a:extLst>
               <a:ext uri="{FF2B5EF4-FFF2-40B4-BE49-F238E27FC236}">
-                <a16:creationId xmlns:a16="http://schemas.microsoft.com/office/drawing/2014/main" id="{46BDE334-A907-5A2F-6CA0-699D4094F414}"/>
+                <a16:creationId xmlns:a16="http://schemas.microsoft.com/office/drawing/2014/main" id="{99258683-B1BA-A497-98D2-49E0130DD457}"/>
               </a:ext>
             </a:extLst>
           </p:cNvPr>
@@ -10932,13 +11782,17 @@
           </a:xfrm>
         </p:spPr>
         <p:txBody>
-          <a:bodyPr/>
+          <a:bodyPr>
+            <a:normAutofit/>
+          </a:bodyPr>
           <a:lstStyle/>
           <a:p>
-            <a:r>
-              <a:rPr lang="en-US" dirty="0"/>
-              <a:t>Comparer TestRail et Xray</a:t>
-            </a:r>
+            <a:pPr algn="ctr"/>
+            <a:r>
+              <a:rPr lang="fr-FR" sz="4000" dirty="0"/>
+              <a:t>Le tableau comparatif des meilleurs outils de gestion des tests</a:t>
+            </a:r>
+            <a:endParaRPr lang="en-US" sz="4000" dirty="0"/>
           </a:p>
         </p:txBody>
       </p:sp>
@@ -10947,7 +11801,7 @@
           <p:cNvPr id="5" name="Espace réservé du contenu 4">
             <a:extLst>
               <a:ext uri="{FF2B5EF4-FFF2-40B4-BE49-F238E27FC236}">
-                <a16:creationId xmlns:a16="http://schemas.microsoft.com/office/drawing/2014/main" id="{4049E3B9-089C-4CB6-4DAF-7BC81658B32A}"/>
+                <a16:creationId xmlns:a16="http://schemas.microsoft.com/office/drawing/2014/main" id="{1F14C352-1193-C032-4C81-E938A208B688}"/>
               </a:ext>
             </a:extLst>
           </p:cNvPr>
@@ -10966,74 +11820,16 @@
         </p:blipFill>
         <p:spPr>
           <a:xfrm>
-            <a:off x="732998" y="1899857"/>
-            <a:ext cx="7864662" cy="4463196"/>
+            <a:off x="2280735" y="1969305"/>
+            <a:ext cx="7946691" cy="4072680"/>
           </a:xfrm>
           <a:noFill/>
-        </p:spPr>
-      </p:pic>
-      <p:pic>
-        <p:nvPicPr>
-          <p:cNvPr id="9" name="Image 8">
-            <a:extLst>
-              <a:ext uri="{FF2B5EF4-FFF2-40B4-BE49-F238E27FC236}">
-                <a16:creationId xmlns:a16="http://schemas.microsoft.com/office/drawing/2014/main" id="{9C20905B-DD01-8ADC-188A-A8EA0F864DE8}"/>
-              </a:ext>
-            </a:extLst>
-          </p:cNvPr>
-          <p:cNvPicPr>
-            <a:picLocks noChangeAspect="1"/>
-          </p:cNvPicPr>
-          <p:nvPr/>
-        </p:nvPicPr>
-        <p:blipFill rotWithShape="1">
-          <a:blip r:embed="rId3"/>
-          <a:srcRect l="44301" t="13135" r="30159"/>
-          <a:stretch/>
-        </p:blipFill>
-        <p:spPr>
-          <a:xfrm>
-            <a:off x="8229608" y="2685327"/>
-            <a:ext cx="2048720" cy="3886070"/>
-          </a:xfrm>
-          <a:prstGeom prst="rect">
-            <a:avLst/>
-          </a:prstGeom>
-        </p:spPr>
-      </p:pic>
-      <p:pic>
-        <p:nvPicPr>
-          <p:cNvPr id="12" name="Image 11">
-            <a:extLst>
-              <a:ext uri="{FF2B5EF4-FFF2-40B4-BE49-F238E27FC236}">
-                <a16:creationId xmlns:a16="http://schemas.microsoft.com/office/drawing/2014/main" id="{E46B6290-B592-8E13-1EB1-DD0C6494C64C}"/>
-              </a:ext>
-            </a:extLst>
-          </p:cNvPr>
-          <p:cNvPicPr>
-            <a:picLocks noChangeAspect="1"/>
-          </p:cNvPicPr>
-          <p:nvPr/>
-        </p:nvPicPr>
-        <p:blipFill rotWithShape="1">
-          <a:blip r:embed="rId3"/>
-          <a:srcRect l="43849" t="1" r="31202" b="86802"/>
-          <a:stretch/>
-        </p:blipFill>
-        <p:spPr>
-          <a:xfrm>
-            <a:off x="8322197" y="1784107"/>
-            <a:ext cx="1956131" cy="577125"/>
-          </a:xfrm>
-          <a:prstGeom prst="rect">
-            <a:avLst/>
-          </a:prstGeom>
         </p:spPr>
       </p:pic>
     </p:spTree>
     <p:extLst>
       <p:ext uri="{BB962C8B-B14F-4D97-AF65-F5344CB8AC3E}">
-        <p14:creationId xmlns:p14="http://schemas.microsoft.com/office/powerpoint/2010/main" val="1045289185"/>
+        <p14:creationId xmlns:p14="http://schemas.microsoft.com/office/powerpoint/2010/main" val="2205741890"/>
       </p:ext>
     </p:extLst>
   </p:cSld>
@@ -11060,12 +11856,50 @@
           <a:chExt cx="0" cy="0"/>
         </a:xfrm>
       </p:grpSpPr>
+      <p:sp>
+        <p:nvSpPr>
+          <p:cNvPr id="10" name="Title 1">
+            <a:extLst>
+              <a:ext uri="{FF2B5EF4-FFF2-40B4-BE49-F238E27FC236}">
+                <a16:creationId xmlns:a16="http://schemas.microsoft.com/office/drawing/2014/main" id="{46BDE334-A907-5A2F-6CA0-699D4094F414}"/>
+              </a:ext>
+            </a:extLst>
+          </p:cNvPr>
+          <p:cNvSpPr>
+            <a:spLocks noGrp="1"/>
+          </p:cNvSpPr>
+          <p:nvPr>
+            <p:ph type="title"/>
+          </p:nvPr>
+        </p:nvSpPr>
+        <p:spPr>
+          <a:xfrm>
+            <a:off x="1097280" y="286603"/>
+            <a:ext cx="10058400" cy="1450757"/>
+          </a:xfrm>
+        </p:spPr>
+        <p:txBody>
+          <a:bodyPr/>
+          <a:lstStyle/>
+          <a:p>
+            <a:r>
+              <a:rPr lang="en-US" dirty="0"/>
+              <a:t>Comparer TestRail et </a:t>
+            </a:r>
+            <a:r>
+              <a:rPr lang="en-US" dirty="0" err="1"/>
+              <a:t>Practitest</a:t>
+            </a:r>
+            <a:endParaRPr lang="en-US" dirty="0"/>
+          </a:p>
+        </p:txBody>
+      </p:sp>
       <p:pic>
         <p:nvPicPr>
-          <p:cNvPr id="11" name="Espace réservé d’image 10" descr="Image contenant un intérieur. Une personne signe le document&#10;">
-            <a:extLst>
-              <a:ext uri="{FF2B5EF4-FFF2-40B4-BE49-F238E27FC236}">
-                <a16:creationId xmlns:a16="http://schemas.microsoft.com/office/drawing/2014/main" id="{A7C45DDD-A694-4705-892B-497F786E9683}"/>
+          <p:cNvPr id="5" name="Espace réservé du contenu 4">
+            <a:extLst>
+              <a:ext uri="{FF2B5EF4-FFF2-40B4-BE49-F238E27FC236}">
+                <a16:creationId xmlns:a16="http://schemas.microsoft.com/office/drawing/2014/main" id="{4049E3B9-089C-4CB6-4DAF-7BC81658B32A}"/>
               </a:ext>
             </a:extLst>
           </p:cNvPr>
@@ -11073,58 +11907,85 @@
             <a:picLocks noGrp="1" noChangeAspect="1"/>
           </p:cNvPicPr>
           <p:nvPr>
-            <p:ph type="pic" idx="1"/>
+            <p:ph idx="1"/>
           </p:nvPr>
         </p:nvPicPr>
         <p:blipFill>
-          <a:blip r:embed="rId3" cstate="print">
-            <a:grayscl/>
-            <a:extLst>
-              <a:ext uri="{28A0092B-C50C-407E-A947-70E740481C1C}">
-                <a14:useLocalDpi xmlns:a14="http://schemas.microsoft.com/office/drawing/2010/main" val="0"/>
-              </a:ext>
-            </a:extLst>
-          </a:blip>
-          <a:srcRect/>
+          <a:blip r:embed="rId2"/>
           <a:stretch>
             <a:fillRect/>
           </a:stretch>
         </p:blipFill>
-        <p:spPr/>
+        <p:spPr>
+          <a:xfrm>
+            <a:off x="732998" y="1899857"/>
+            <a:ext cx="7864662" cy="4463196"/>
+          </a:xfrm>
+          <a:noFill/>
+        </p:spPr>
       </p:pic>
-      <p:sp>
-        <p:nvSpPr>
-          <p:cNvPr id="7" name="Titre 6">
-            <a:extLst>
-              <a:ext uri="{FF2B5EF4-FFF2-40B4-BE49-F238E27FC236}">
-                <a16:creationId xmlns:a16="http://schemas.microsoft.com/office/drawing/2014/main" id="{E444079D-629C-4C44-8DB6-B4B5E7C54015}"/>
-              </a:ext>
-            </a:extLst>
-          </p:cNvPr>
-          <p:cNvSpPr>
-            <a:spLocks noGrp="1"/>
-          </p:cNvSpPr>
-          <p:nvPr>
-            <p:ph type="title"/>
-          </p:nvPr>
-        </p:nvSpPr>
-        <p:spPr/>
-        <p:txBody>
-          <a:bodyPr rtlCol="0"/>
-          <a:lstStyle/>
-          <a:p>
-            <a:pPr rtl="0"/>
-            <a:r>
-              <a:rPr lang="fr-FR" dirty="0"/>
-              <a:t>Conclure</a:t>
-            </a:r>
-          </a:p>
-        </p:txBody>
-      </p:sp>
+      <p:pic>
+        <p:nvPicPr>
+          <p:cNvPr id="9" name="Image 8">
+            <a:extLst>
+              <a:ext uri="{FF2B5EF4-FFF2-40B4-BE49-F238E27FC236}">
+                <a16:creationId xmlns:a16="http://schemas.microsoft.com/office/drawing/2014/main" id="{9C20905B-DD01-8ADC-188A-A8EA0F864DE8}"/>
+              </a:ext>
+            </a:extLst>
+          </p:cNvPr>
+          <p:cNvPicPr>
+            <a:picLocks noChangeAspect="1"/>
+          </p:cNvPicPr>
+          <p:nvPr/>
+        </p:nvPicPr>
+        <p:blipFill rotWithShape="1">
+          <a:blip r:embed="rId3"/>
+          <a:srcRect l="44301" t="13135" r="30159"/>
+          <a:stretch/>
+        </p:blipFill>
+        <p:spPr>
+          <a:xfrm>
+            <a:off x="6273477" y="2685327"/>
+            <a:ext cx="2048720" cy="3886070"/>
+          </a:xfrm>
+          <a:prstGeom prst="rect">
+            <a:avLst/>
+          </a:prstGeom>
+        </p:spPr>
+      </p:pic>
+      <p:pic>
+        <p:nvPicPr>
+          <p:cNvPr id="12" name="Image 11">
+            <a:extLst>
+              <a:ext uri="{FF2B5EF4-FFF2-40B4-BE49-F238E27FC236}">
+                <a16:creationId xmlns:a16="http://schemas.microsoft.com/office/drawing/2014/main" id="{E46B6290-B592-8E13-1EB1-DD0C6494C64C}"/>
+              </a:ext>
+            </a:extLst>
+          </p:cNvPr>
+          <p:cNvPicPr>
+            <a:picLocks noChangeAspect="1"/>
+          </p:cNvPicPr>
+          <p:nvPr/>
+        </p:nvPicPr>
+        <p:blipFill rotWithShape="1">
+          <a:blip r:embed="rId3"/>
+          <a:srcRect l="43849" t="1" r="31202" b="86802"/>
+          <a:stretch/>
+        </p:blipFill>
+        <p:spPr>
+          <a:xfrm>
+            <a:off x="6273477" y="1780923"/>
+            <a:ext cx="1956131" cy="577125"/>
+          </a:xfrm>
+          <a:prstGeom prst="rect">
+            <a:avLst/>
+          </a:prstGeom>
+        </p:spPr>
+      </p:pic>
     </p:spTree>
     <p:extLst>
       <p:ext uri="{BB962C8B-B14F-4D97-AF65-F5344CB8AC3E}">
-        <p14:creationId xmlns:p14="http://schemas.microsoft.com/office/powerpoint/2010/main" val="1664008586"/>
+        <p14:creationId xmlns:p14="http://schemas.microsoft.com/office/powerpoint/2010/main" val="1045289185"/>
       </p:ext>
     </p:extLst>
   </p:cSld>
@@ -11137,14 +11998,6 @@
 <file path=ppt/slides/slide9.xml><?xml version="1.0" encoding="utf-8"?>
 <p:sld xmlns:a="http://schemas.openxmlformats.org/drawingml/2006/main" xmlns:r="http://schemas.openxmlformats.org/officeDocument/2006/relationships" xmlns:p="http://schemas.openxmlformats.org/presentationml/2006/main">
   <p:cSld>
-    <p:bg>
-      <p:bgPr>
-        <a:solidFill>
-          <a:schemeClr val="bg1"/>
-        </a:solidFill>
-        <a:effectLst/>
-      </p:bgPr>
-    </p:bg>
     <p:spTree>
       <p:nvGrpSpPr>
         <p:cNvPr id="1" name=""/>
@@ -11161,183 +12014,10 @@
       </p:grpSpPr>
       <p:sp>
         <p:nvSpPr>
-          <p:cNvPr id="13" name="Rectangle 12">
-            <a:extLst>
-              <a:ext uri="{FF2B5EF4-FFF2-40B4-BE49-F238E27FC236}">
-                <a16:creationId xmlns:a16="http://schemas.microsoft.com/office/drawing/2014/main" id="{39E3965E-AC41-4711-9D10-E25ABB132D86}"/>
-              </a:ext>
-              <a:ext uri="{C183D7F6-B498-43B3-948B-1728B52AA6E4}">
-                <adec:decorative xmlns:adec="http://schemas.microsoft.com/office/drawing/2017/decorative" val="1"/>
-              </a:ext>
-            </a:extLst>
-          </p:cNvPr>
-          <p:cNvSpPr>
-            <a:spLocks noGrp="1" noRot="1" noChangeAspect="1" noMove="1" noResize="1" noEditPoints="1" noAdjustHandles="1" noChangeArrowheads="1" noChangeShapeType="1" noTextEdit="1"/>
-          </p:cNvSpPr>
-          <p:nvPr>
-            <p:extLst>
-              <p:ext uri="{386F3935-93C4-4BCD-93E2-E3B085C9AB24}">
-                <p16:designElem xmlns:p16="http://schemas.microsoft.com/office/powerpoint/2015/main" val="1"/>
-              </p:ext>
-            </p:extLst>
-          </p:nvPr>
-        </p:nvSpPr>
-        <p:spPr>
-          <a:xfrm>
-            <a:off x="3175" y="6400800"/>
-            <a:ext cx="12188825" cy="457200"/>
-          </a:xfrm>
-          <a:prstGeom prst="rect">
-            <a:avLst/>
-          </a:prstGeom>
-          <a:solidFill>
-            <a:srgbClr val="262626"/>
-          </a:solidFill>
-          <a:ln>
-            <a:noFill/>
-          </a:ln>
-        </p:spPr>
-        <p:style>
-          <a:lnRef idx="2">
-            <a:schemeClr val="accent1">
-              <a:shade val="50000"/>
-            </a:schemeClr>
-          </a:lnRef>
-          <a:fillRef idx="1">
-            <a:schemeClr val="accent1"/>
-          </a:fillRef>
-          <a:effectRef idx="0">
-            <a:schemeClr val="accent1"/>
-          </a:effectRef>
-          <a:fontRef idx="minor">
-            <a:schemeClr val="lt1"/>
-          </a:fontRef>
-        </p:style>
-      </p:sp>
-      <p:cxnSp>
-        <p:nvCxnSpPr>
-          <p:cNvPr id="15" name="Connecteur droit 14">
-            <a:extLst>
-              <a:ext uri="{FF2B5EF4-FFF2-40B4-BE49-F238E27FC236}">
-                <a16:creationId xmlns:a16="http://schemas.microsoft.com/office/drawing/2014/main" id="{1F5DC8C3-BA5F-4EED-BB9A-A14272BD82A1}"/>
-              </a:ext>
-              <a:ext uri="{C183D7F6-B498-43B3-948B-1728B52AA6E4}">
-                <adec:decorative xmlns:adec="http://schemas.microsoft.com/office/drawing/2017/decorative" val="1"/>
-              </a:ext>
-            </a:extLst>
-          </p:cNvPr>
-          <p:cNvCxnSpPr>
-            <a:cxnSpLocks noGrp="1" noRot="1" noChangeAspect="1" noMove="1" noResize="1" noEditPoints="1" noAdjustHandles="1" noChangeArrowheads="1" noChangeShapeType="1"/>
-          </p:cNvCxnSpPr>
-          <p:nvPr>
-            <p:extLst>
-              <p:ext uri="{386F3935-93C4-4BCD-93E2-E3B085C9AB24}">
-                <p16:designElem xmlns:p16="http://schemas.microsoft.com/office/powerpoint/2015/main" val="1"/>
-              </p:ext>
-            </p:extLst>
-          </p:nvPr>
-        </p:nvCxnSpPr>
-        <p:spPr>
-          <a:xfrm>
-            <a:off x="1207658" y="4474741"/>
-            <a:ext cx="9875520" cy="0"/>
-          </a:xfrm>
-          <a:prstGeom prst="line">
-            <a:avLst/>
-          </a:prstGeom>
-          <a:ln w="12700">
-            <a:solidFill>
-              <a:schemeClr val="tx1">
-                <a:lumMod val="75000"/>
-                <a:lumOff val="25000"/>
-              </a:schemeClr>
-            </a:solidFill>
-          </a:ln>
-        </p:spPr>
-        <p:style>
-          <a:lnRef idx="1">
-            <a:schemeClr val="accent1"/>
-          </a:lnRef>
-          <a:fillRef idx="0">
-            <a:schemeClr val="accent1"/>
-          </a:fillRef>
-          <a:effectRef idx="0">
-            <a:schemeClr val="accent1"/>
-          </a:effectRef>
-          <a:fontRef idx="minor">
-            <a:schemeClr val="tx1"/>
-          </a:fontRef>
-        </p:style>
-      </p:cxnSp>
-      <p:sp>
-        <p:nvSpPr>
-          <p:cNvPr id="17" name="Rectangle 16">
-            <a:extLst>
-              <a:ext uri="{FF2B5EF4-FFF2-40B4-BE49-F238E27FC236}">
-                <a16:creationId xmlns:a16="http://schemas.microsoft.com/office/drawing/2014/main" id="{FBDCECDC-EEE3-4128-AA5E-82A8C08796E8}"/>
-              </a:ext>
-              <a:ext uri="{C183D7F6-B498-43B3-948B-1728B52AA6E4}">
-                <adec:decorative xmlns:adec="http://schemas.microsoft.com/office/drawing/2017/decorative" val="1"/>
-              </a:ext>
-            </a:extLst>
-          </p:cNvPr>
-          <p:cNvSpPr>
-            <a:spLocks noGrp="1" noRot="1" noChangeAspect="1" noMove="1" noResize="1" noEditPoints="1" noAdjustHandles="1" noChangeArrowheads="1" noChangeShapeType="1" noTextEdit="1"/>
-          </p:cNvSpPr>
-          <p:nvPr>
-            <p:extLst>
-              <p:ext uri="{386F3935-93C4-4BCD-93E2-E3B085C9AB24}">
-                <p16:designElem xmlns:p16="http://schemas.microsoft.com/office/powerpoint/2015/main" val="1"/>
-              </p:ext>
-            </p:extLst>
-          </p:nvPr>
-        </p:nvSpPr>
-        <p:spPr>
-          <a:xfrm>
-            <a:off x="1507" y="0"/>
-            <a:ext cx="12192000" cy="6858000"/>
-          </a:xfrm>
-          <a:prstGeom prst="rect">
-            <a:avLst/>
-          </a:prstGeom>
-          <a:solidFill>
-            <a:schemeClr val="accent1"/>
-          </a:solidFill>
-          <a:ln>
-            <a:noFill/>
-          </a:ln>
-        </p:spPr>
-        <p:style>
-          <a:lnRef idx="2">
-            <a:schemeClr val="accent1">
-              <a:shade val="50000"/>
-            </a:schemeClr>
-          </a:lnRef>
-          <a:fillRef idx="1">
-            <a:schemeClr val="accent1"/>
-          </a:fillRef>
-          <a:effectRef idx="0">
-            <a:schemeClr val="accent1"/>
-          </a:effectRef>
-          <a:fontRef idx="minor">
-            <a:schemeClr val="lt1"/>
-          </a:fontRef>
-        </p:style>
-        <p:txBody>
-          <a:bodyPr rtlCol="0" anchor="ctr"/>
-          <a:lstStyle/>
-          <a:p>
-            <a:pPr algn="ctr" rtl="0"/>
-            <a:endParaRPr lang="fr-FR" dirty="0"/>
-          </a:p>
-        </p:txBody>
-      </p:sp>
-      <p:sp>
-        <p:nvSpPr>
-          <p:cNvPr id="7" name="Titre 6">
-            <a:extLst>
-              <a:ext uri="{FF2B5EF4-FFF2-40B4-BE49-F238E27FC236}">
-                <a16:creationId xmlns:a16="http://schemas.microsoft.com/office/drawing/2014/main" id="{5365BF64-4B30-4125-9A30-A1B08C80ED7D}"/>
+          <p:cNvPr id="2" name="Titre 1">
+            <a:extLst>
+              <a:ext uri="{FF2B5EF4-FFF2-40B4-BE49-F238E27FC236}">
+                <a16:creationId xmlns:a16="http://schemas.microsoft.com/office/drawing/2014/main" id="{CA726D0C-E0E9-B053-5CB9-C44D4A6216BA}"/>
               </a:ext>
             </a:extLst>
           </p:cNvPr>
@@ -11350,113 +12030,143 @@
         </p:nvSpPr>
         <p:spPr>
           <a:xfrm>
-            <a:off x="1097280" y="758952"/>
-            <a:ext cx="10058400" cy="3892168"/>
-          </a:xfrm>
-        </p:spPr>
-        <p:txBody>
-          <a:bodyPr vert="horz" lIns="91440" tIns="45720" rIns="91440" bIns="45720" rtlCol="0" anchor="b">
-            <a:normAutofit/>
-          </a:bodyPr>
-          <a:lstStyle/>
-          <a:p>
-            <a:pPr rtl="0"/>
-            <a:r>
-              <a:rPr lang="fr-FR" sz="9600" dirty="0">
-                <a:solidFill>
-                  <a:srgbClr val="FFFFFF"/>
-                </a:solidFill>
-                <a:latin typeface="+mj-lt"/>
-              </a:rPr>
-              <a:t>Merci</a:t>
-            </a:r>
-          </a:p>
-        </p:txBody>
-      </p:sp>
-      <p:sp>
-        <p:nvSpPr>
-          <p:cNvPr id="19" name="Rectangle 18">
-            <a:extLst>
-              <a:ext uri="{FF2B5EF4-FFF2-40B4-BE49-F238E27FC236}">
-                <a16:creationId xmlns:a16="http://schemas.microsoft.com/office/drawing/2014/main" id="{4260EDE0-989C-4E16-AF94-F652294D828E}"/>
-              </a:ext>
-              <a:ext uri="{C183D7F6-B498-43B3-948B-1728B52AA6E4}">
-                <adec:decorative xmlns:adec="http://schemas.microsoft.com/office/drawing/2017/decorative" val="1"/>
-              </a:ext>
-            </a:extLst>
-          </p:cNvPr>
-          <p:cNvSpPr>
-            <a:spLocks noGrp="1" noRot="1" noChangeAspect="1" noMove="1" noResize="1" noEditPoints="1" noAdjustHandles="1" noChangeArrowheads="1" noChangeShapeType="1" noTextEdit="1"/>
-          </p:cNvSpPr>
-          <p:nvPr>
-            <p:extLst>
-              <p:ext uri="{386F3935-93C4-4BCD-93E2-E3B085C9AB24}">
-                <p16:designElem xmlns:p16="http://schemas.microsoft.com/office/powerpoint/2015/main" val="1"/>
-              </p:ext>
-            </p:extLst>
-          </p:nvPr>
-        </p:nvSpPr>
-        <p:spPr bwMode="white">
-          <a:xfrm>
-            <a:off x="1507" y="4953000"/>
-            <a:ext cx="12188952" cy="1905000"/>
-          </a:xfrm>
-          <a:prstGeom prst="rect">
-            <a:avLst/>
-          </a:prstGeom>
-          <a:solidFill>
-            <a:srgbClr val="262626"/>
-          </a:solidFill>
-          <a:ln>
-            <a:noFill/>
-          </a:ln>
-        </p:spPr>
-        <p:style>
-          <a:lnRef idx="2">
-            <a:schemeClr val="accent1">
-              <a:shade val="50000"/>
-            </a:schemeClr>
-          </a:lnRef>
-          <a:fillRef idx="1">
-            <a:schemeClr val="accent1"/>
-          </a:fillRef>
-          <a:effectRef idx="0">
-            <a:schemeClr val="accent1"/>
-          </a:effectRef>
-          <a:fontRef idx="minor">
-            <a:schemeClr val="lt1"/>
-          </a:fontRef>
-        </p:style>
-      </p:sp>
-      <p:sp>
-        <p:nvSpPr>
-          <p:cNvPr id="3" name="Espace réservé du contenu 2">
-            <a:extLst>
-              <a:ext uri="{FF2B5EF4-FFF2-40B4-BE49-F238E27FC236}">
-                <a16:creationId xmlns:a16="http://schemas.microsoft.com/office/drawing/2014/main" id="{C05EC07B-EE90-41FF-2550-0EC417581FBE}"/>
-              </a:ext>
-            </a:extLst>
-          </p:cNvPr>
-          <p:cNvSpPr>
-            <a:spLocks noGrp="1"/>
-          </p:cNvSpPr>
-          <p:nvPr>
-            <p:ph idx="1"/>
-          </p:nvPr>
-        </p:nvSpPr>
-        <p:spPr/>
+            <a:off x="1066800" y="552417"/>
+            <a:ext cx="10058400" cy="1450757"/>
+          </a:xfrm>
+        </p:spPr>
         <p:txBody>
           <a:bodyPr/>
           <a:lstStyle/>
           <a:p>
-            <a:endParaRPr lang="fr-FR"/>
+            <a:r>
+              <a:rPr lang="fr-FR" dirty="0"/>
+              <a:t>Objet de teste : Page WEB TALAN Académie</a:t>
+            </a:r>
+          </a:p>
+        </p:txBody>
+      </p:sp>
+      <p:sp>
+        <p:nvSpPr>
+          <p:cNvPr id="3" name="Espace réservé du contenu 2">
+            <a:extLst>
+              <a:ext uri="{FF2B5EF4-FFF2-40B4-BE49-F238E27FC236}">
+                <a16:creationId xmlns:a16="http://schemas.microsoft.com/office/drawing/2014/main" id="{0D3CCACE-29F5-B87B-C388-A93970D5E619}"/>
+              </a:ext>
+            </a:extLst>
+          </p:cNvPr>
+          <p:cNvSpPr>
+            <a:spLocks noGrp="1"/>
+          </p:cNvSpPr>
+          <p:nvPr>
+            <p:ph idx="1"/>
+          </p:nvPr>
+        </p:nvSpPr>
+        <p:spPr/>
+        <p:txBody>
+          <a:bodyPr/>
+          <a:lstStyle/>
+          <a:p>
+            <a:pPr marL="0" indent="0">
+              <a:lnSpc>
+                <a:spcPct val="106000"/>
+              </a:lnSpc>
+              <a:spcAft>
+                <a:spcPts val="800"/>
+              </a:spcAft>
+              <a:buNone/>
+            </a:pPr>
+            <a:endParaRPr lang="fr-FR" sz="1800" dirty="0">
+              <a:effectLst/>
+              <a:latin typeface="Calibri" panose="020F0502020204030204" pitchFamily="34" charset="0"/>
+              <a:ea typeface="Times New Roman" panose="02020603050405020304" pitchFamily="18" charset="0"/>
+              <a:cs typeface="Times New Roman" panose="02020603050405020304" pitchFamily="18" charset="0"/>
+            </a:endParaRPr>
+          </a:p>
+          <a:p>
+            <a:pPr>
+              <a:lnSpc>
+                <a:spcPct val="106000"/>
+              </a:lnSpc>
+              <a:spcAft>
+                <a:spcPts val="800"/>
+              </a:spcAft>
+            </a:pPr>
+            <a:r>
+              <a:rPr lang="fr-FR" sz="1800" dirty="0">
+                <a:effectLst/>
+                <a:latin typeface="Calibri" panose="020F0502020204030204" pitchFamily="34" charset="0"/>
+                <a:ea typeface="Times New Roman" panose="02020603050405020304" pitchFamily="18" charset="0"/>
+                <a:cs typeface="Times New Roman" panose="02020603050405020304" pitchFamily="18" charset="0"/>
+              </a:rPr>
+              <a:t>La plateforme Talan Académie: </a:t>
+            </a:r>
+          </a:p>
+          <a:p>
+            <a:pPr>
+              <a:lnSpc>
+                <a:spcPct val="106000"/>
+              </a:lnSpc>
+              <a:spcAft>
+                <a:spcPts val="800"/>
+              </a:spcAft>
+            </a:pPr>
+            <a:r>
+              <a:rPr lang="fr-FR" sz="1800" dirty="0">
+                <a:effectLst/>
+                <a:latin typeface="Calibri" panose="020F0502020204030204" pitchFamily="34" charset="0"/>
+                <a:ea typeface="Times New Roman" panose="02020603050405020304" pitchFamily="18" charset="0"/>
+                <a:cs typeface="Times New Roman" panose="02020603050405020304" pitchFamily="18" charset="0"/>
+              </a:rPr>
+              <a:t>Page web qui permet de déposer les candidatures afin d’intégrer Talan Académie et de suivre le Dashboard de la formation une fois le candidat est accepté sur l’un des cursus proposé de l’académie.</a:t>
+            </a:r>
+          </a:p>
+          <a:p>
+            <a:pPr>
+              <a:lnSpc>
+                <a:spcPct val="106000"/>
+              </a:lnSpc>
+              <a:spcAft>
+                <a:spcPts val="800"/>
+              </a:spcAft>
+            </a:pPr>
+            <a:r>
+              <a:rPr lang="fr-FR" sz="1800" dirty="0">
+                <a:effectLst/>
+                <a:latin typeface="Calibri" panose="020F0502020204030204" pitchFamily="34" charset="0"/>
+                <a:ea typeface="Times New Roman" panose="02020603050405020304" pitchFamily="18" charset="0"/>
+                <a:cs typeface="Times New Roman" panose="02020603050405020304" pitchFamily="18" charset="0"/>
+              </a:rPr>
+              <a:t>Ceci est assuré à l’aide de la rubrique rejoignez-nous où le candidat doit créer un compte pour accéder au contenu de la formation.</a:t>
+            </a:r>
+          </a:p>
+          <a:p>
+            <a:pPr>
+              <a:lnSpc>
+                <a:spcPct val="106000"/>
+              </a:lnSpc>
+              <a:spcAft>
+                <a:spcPts val="800"/>
+              </a:spcAft>
+            </a:pPr>
+            <a:r>
+              <a:rPr lang="fr-FR" sz="1800" dirty="0">
+                <a:effectLst/>
+                <a:latin typeface="Calibri" panose="020F0502020204030204" pitchFamily="34" charset="0"/>
+                <a:ea typeface="Times New Roman" panose="02020603050405020304" pitchFamily="18" charset="0"/>
+                <a:cs typeface="Times New Roman" panose="02020603050405020304" pitchFamily="18" charset="0"/>
+              </a:rPr>
+              <a:t>Il y a aussi plusieurs onglets qui présentent les différents cursus, des icônes qui font la redirection vers les réseaux sociaux.</a:t>
+            </a:r>
+          </a:p>
+          <a:p>
+            <a:endParaRPr lang="fr-FR" dirty="0"/>
           </a:p>
         </p:txBody>
       </p:sp>
     </p:spTree>
     <p:extLst>
       <p:ext uri="{BB962C8B-B14F-4D97-AF65-F5344CB8AC3E}">
-        <p14:creationId xmlns:p14="http://schemas.microsoft.com/office/powerpoint/2010/main" val="4127971368"/>
+        <p14:creationId xmlns:p14="http://schemas.microsoft.com/office/powerpoint/2010/main" val="2056891083"/>
       </p:ext>
     </p:extLst>
   </p:cSld>
@@ -12340,21 +13050,21 @@
 </file>
 
 <file path=customXml/item1.xml><?xml version="1.0" encoding="utf-8"?>
+<?mso-contentType ?>
+<FormTemplates xmlns="http://schemas.microsoft.com/sharepoint/v3/contenttype/forms">
+  <Display>DocumentLibraryForm</Display>
+  <Edit>DocumentLibraryForm</Edit>
+  <New>DocumentLibraryForm</New>
+</FormTemplates>
+</file>
+
+<file path=customXml/item2.xml><?xml version="1.0" encoding="utf-8"?>
 <p:properties xmlns:p="http://schemas.microsoft.com/office/2006/metadata/properties" xmlns:xsi="http://www.w3.org/2001/XMLSchema-instance" xmlns:pc="http://schemas.microsoft.com/office/infopath/2007/PartnerControls">
   <documentManagement>
     <Status xmlns="71af3243-3dd4-4a8d-8c0d-dd76da1f02a5">Not started</Status>
     <MediaServiceKeyPoints xmlns="71af3243-3dd4-4a8d-8c0d-dd76da1f02a5" xsi:nil="true"/>
   </documentManagement>
 </p:properties>
-</file>
-
-<file path=customXml/item2.xml><?xml version="1.0" encoding="utf-8"?>
-<?mso-contentType ?>
-<FormTemplates xmlns="http://schemas.microsoft.com/sharepoint/v3/contenttype/forms">
-  <Display>DocumentLibraryForm</Display>
-  <Edit>DocumentLibraryForm</Edit>
-  <New>DocumentLibraryForm</New>
-</FormTemplates>
 </file>
 
 <file path=customXml/item3.xml><?xml version="1.0" encoding="utf-8"?>
@@ -12579,19 +13289,19 @@
 </file>
 
 <file path=customXml/itemProps1.xml><?xml version="1.0" encoding="utf-8"?>
+<ds:datastoreItem xmlns:ds="http://schemas.openxmlformats.org/officeDocument/2006/customXml" ds:itemID="{7E0A2CB4-6869-426F-8BC4-A32C90CBE263}">
+  <ds:schemaRefs>
+    <ds:schemaRef ds:uri="http://schemas.microsoft.com/sharepoint/v3/contenttype/forms"/>
+  </ds:schemaRefs>
+</ds:datastoreItem>
+</file>
+
+<file path=customXml/itemProps2.xml><?xml version="1.0" encoding="utf-8"?>
 <ds:datastoreItem xmlns:ds="http://schemas.openxmlformats.org/officeDocument/2006/customXml" ds:itemID="{A4E879E6-8FFE-4154-8F2A-F7518B89B376}">
   <ds:schemaRefs>
     <ds:schemaRef ds:uri="http://schemas.microsoft.com/office/2006/metadata/properties"/>
     <ds:schemaRef ds:uri="http://schemas.microsoft.com/office/infopath/2007/PartnerControls"/>
     <ds:schemaRef ds:uri="71af3243-3dd4-4a8d-8c0d-dd76da1f02a5"/>
-  </ds:schemaRefs>
-</ds:datastoreItem>
-</file>
-
-<file path=customXml/itemProps2.xml><?xml version="1.0" encoding="utf-8"?>
-<ds:datastoreItem xmlns:ds="http://schemas.openxmlformats.org/officeDocument/2006/customXml" ds:itemID="{7E0A2CB4-6869-426F-8BC4-A32C90CBE263}">
-  <ds:schemaRefs>
-    <ds:schemaRef ds:uri="http://schemas.microsoft.com/sharepoint/v3/contenttype/forms"/>
   </ds:schemaRefs>
 </ds:datastoreItem>
 </file>

--- a/Les outils de gestion des tests.pptx
+++ b/Les outils de gestion des tests.pptx
@@ -10391,7 +10391,9 @@
         </p:nvSpPr>
         <p:spPr/>
         <p:txBody>
-          <a:bodyPr rtlCol="0"/>
+          <a:bodyPr rtlCol="0">
+            <a:normAutofit fontScale="92500" lnSpcReduction="20000"/>
+          </a:bodyPr>
           <a:lstStyle/>
           <a:p>
             <a:pPr rtl="0"/>
@@ -10417,6 +10419,20 @@
           <a:p>
             <a:pPr rtl="0"/>
             <a:r>
+              <a:rPr lang="fr-FR" sz="2400" dirty="0"/>
+              <a:t>Meilleurs outils de gestion des tests </a:t>
+            </a:r>
+          </a:p>
+          <a:p>
+            <a:pPr rtl="0"/>
+            <a:r>
+              <a:rPr lang="fr-FR" dirty="0"/>
+              <a:t>Comparaison des outils</a:t>
+            </a:r>
+          </a:p>
+          <a:p>
+            <a:pPr rtl="0"/>
+            <a:r>
               <a:rPr lang="fr-FR" dirty="0"/>
               <a:t>Site Talan académie</a:t>
             </a:r>
@@ -10429,7 +10445,7 @@
             </a:r>
             <a:r>
               <a:rPr lang="fr-FR" dirty="0" err="1"/>
-              <a:t>Xray</a:t>
+              <a:t>Practitest</a:t>
             </a:r>
             <a:r>
               <a:rPr lang="fr-FR" dirty="0"/>
@@ -11454,7 +11470,7 @@
             <a:pPr rtl="0"/>
             <a:r>
               <a:rPr lang="fr-FR" sz="3600" dirty="0"/>
-              <a:t>TOP 4  des outils de gestion des tests </a:t>
+              <a:t>Meilleurs outils de gestion des tests </a:t>
             </a:r>
           </a:p>
         </p:txBody>
